--- a/Файлы для оценки/Социальный челленджер.pptx
+++ b/Файлы для оценки/Социальный челленджер.pptx
@@ -7,13 +7,15 @@
   <p:sldIdLst>
     <p:sldId id="256" r:id="rId2"/>
     <p:sldId id="257" r:id="rId3"/>
-    <p:sldId id="258" r:id="rId4"/>
+    <p:sldId id="265" r:id="rId4"/>
     <p:sldId id="259" r:id="rId5"/>
-    <p:sldId id="260" r:id="rId6"/>
-    <p:sldId id="261" r:id="rId7"/>
-    <p:sldId id="262" r:id="rId8"/>
-    <p:sldId id="264" r:id="rId9"/>
-    <p:sldId id="263" r:id="rId10"/>
+    <p:sldId id="258" r:id="rId6"/>
+    <p:sldId id="260" r:id="rId7"/>
+    <p:sldId id="261" r:id="rId8"/>
+    <p:sldId id="262" r:id="rId9"/>
+    <p:sldId id="264" r:id="rId10"/>
+    <p:sldId id="266" r:id="rId11"/>
+    <p:sldId id="263" r:id="rId12"/>
   </p:sldIdLst>
   <p:sldSz cx="12192000" cy="6858000"/>
   <p:notesSz cx="6858000" cy="9144000"/>
@@ -112,6 +114,11 @@
       </a:defRPr>
     </a:lvl9pPr>
   </p:defaultTextStyle>
+  <p:extLst>
+    <p:ext uri="{EFAFB233-063F-42B5-8137-9DF3F51BA10A}">
+      <p15:sldGuideLst xmlns:p15="http://schemas.microsoft.com/office/powerpoint/2012/main"/>
+    </p:ext>
+  </p:extLst>
 </p:presentation>
 </file>
 
@@ -861,7 +868,7 @@
             <a:fld id="{B61BEF0D-F0BB-DE4B-95CE-6DB70DBA9567}" type="datetimeFigureOut">
               <a:rPr lang="en-US" dirty="0"/>
               <a:pPr/>
-              <a:t>9/1/2023</a:t>
+              <a:t>9/25/2023</a:t>
             </a:fld>
             <a:endParaRPr lang="en-US" dirty="0"/>
           </a:p>
@@ -1109,7 +1116,7 @@
             <a:fld id="{B61BEF0D-F0BB-DE4B-95CE-6DB70DBA9567}" type="datetimeFigureOut">
               <a:rPr lang="en-US" dirty="0"/>
               <a:pPr/>
-              <a:t>9/1/2023</a:t>
+              <a:t>9/25/2023</a:t>
             </a:fld>
             <a:endParaRPr lang="en-US" dirty="0"/>
           </a:p>
@@ -1420,7 +1427,7 @@
             <a:fld id="{B61BEF0D-F0BB-DE4B-95CE-6DB70DBA9567}" type="datetimeFigureOut">
               <a:rPr lang="en-US" dirty="0"/>
               <a:pPr/>
-              <a:t>9/1/2023</a:t>
+              <a:t>9/25/2023</a:t>
             </a:fld>
             <a:endParaRPr lang="en-US" dirty="0"/>
           </a:p>
@@ -1750,7 +1757,7 @@
             <a:fld id="{B61BEF0D-F0BB-DE4B-95CE-6DB70DBA9567}" type="datetimeFigureOut">
               <a:rPr lang="en-US" dirty="0"/>
               <a:pPr/>
-              <a:t>9/1/2023</a:t>
+              <a:t>9/25/2023</a:t>
             </a:fld>
             <a:endParaRPr lang="en-US" dirty="0"/>
           </a:p>
@@ -2061,7 +2068,7 @@
             <a:fld id="{B61BEF0D-F0BB-DE4B-95CE-6DB70DBA9567}" type="datetimeFigureOut">
               <a:rPr lang="en-US" dirty="0"/>
               <a:pPr/>
-              <a:t>9/1/2023</a:t>
+              <a:t>9/25/2023</a:t>
             </a:fld>
             <a:endParaRPr lang="en-US" dirty="0"/>
           </a:p>
@@ -2451,7 +2458,7 @@
             <a:fld id="{B61BEF0D-F0BB-DE4B-95CE-6DB70DBA9567}" type="datetimeFigureOut">
               <a:rPr lang="en-US" dirty="0"/>
               <a:pPr/>
-              <a:t>9/1/2023</a:t>
+              <a:t>9/25/2023</a:t>
             </a:fld>
             <a:endParaRPr lang="en-US" dirty="0"/>
           </a:p>
@@ -2617,7 +2624,7 @@
           <a:p>
             <a:fld id="{55C6B4A9-1611-4792-9094-5F34BCA07E0B}" type="datetimeFigureOut">
               <a:rPr lang="en-US" dirty="0"/>
-              <a:t>9/1/2023</a:t>
+              <a:t>9/25/2023</a:t>
             </a:fld>
             <a:endParaRPr lang="en-US" dirty="0"/>
           </a:p>
@@ -2793,7 +2800,7 @@
             <a:fld id="{B61BEF0D-F0BB-DE4B-95CE-6DB70DBA9567}" type="datetimeFigureOut">
               <a:rPr lang="en-US" dirty="0"/>
               <a:pPr/>
-              <a:t>9/1/2023</a:t>
+              <a:t>9/25/2023</a:t>
             </a:fld>
             <a:endParaRPr lang="en-US" dirty="0"/>
           </a:p>
@@ -2959,7 +2966,7 @@
           <a:p>
             <a:fld id="{42A54C80-263E-416B-A8E0-580EDEADCBDC}" type="datetimeFigureOut">
               <a:rPr lang="en-US" dirty="0"/>
-              <a:t>9/1/2023</a:t>
+              <a:t>9/25/2023</a:t>
             </a:fld>
             <a:endParaRPr lang="en-US" dirty="0"/>
           </a:p>
@@ -3202,7 +3209,7 @@
             <a:fld id="{B61BEF0D-F0BB-DE4B-95CE-6DB70DBA9567}" type="datetimeFigureOut">
               <a:rPr lang="en-US" dirty="0"/>
               <a:pPr/>
-              <a:t>9/1/2023</a:t>
+              <a:t>9/25/2023</a:t>
             </a:fld>
             <a:endParaRPr lang="en-US" dirty="0"/>
           </a:p>
@@ -3430,7 +3437,7 @@
           <a:p>
             <a:fld id="{42A54C80-263E-416B-A8E0-580EDEADCBDC}" type="datetimeFigureOut">
               <a:rPr lang="en-US" dirty="0"/>
-              <a:t>9/1/2023</a:t>
+              <a:t>9/25/2023</a:t>
             </a:fld>
             <a:endParaRPr lang="en-US" dirty="0"/>
           </a:p>
@@ -3800,7 +3807,7 @@
             <a:fld id="{B61BEF0D-F0BB-DE4B-95CE-6DB70DBA9567}" type="datetimeFigureOut">
               <a:rPr lang="en-US" dirty="0"/>
               <a:pPr/>
-              <a:t>9/1/2023</a:t>
+              <a:t>9/25/2023</a:t>
             </a:fld>
             <a:endParaRPr lang="en-US" dirty="0"/>
           </a:p>
@@ -3920,7 +3927,7 @@
             <a:fld id="{B61BEF0D-F0BB-DE4B-95CE-6DB70DBA9567}" type="datetimeFigureOut">
               <a:rPr lang="en-US" dirty="0"/>
               <a:pPr/>
-              <a:t>9/1/2023</a:t>
+              <a:t>9/25/2023</a:t>
             </a:fld>
             <a:endParaRPr lang="en-US" dirty="0"/>
           </a:p>
@@ -4012,7 +4019,7 @@
             <a:fld id="{B61BEF0D-F0BB-DE4B-95CE-6DB70DBA9567}" type="datetimeFigureOut">
               <a:rPr lang="en-US" dirty="0"/>
               <a:pPr/>
-              <a:t>9/1/2023</a:t>
+              <a:t>9/25/2023</a:t>
             </a:fld>
             <a:endParaRPr lang="en-US" dirty="0"/>
           </a:p>
@@ -4263,7 +4270,7 @@
           <a:p>
             <a:fld id="{42A54C80-263E-416B-A8E0-580EDEADCBDC}" type="datetimeFigureOut">
               <a:rPr lang="en-US" dirty="0"/>
-              <a:t>9/1/2023</a:t>
+              <a:t>9/25/2023</a:t>
             </a:fld>
             <a:endParaRPr lang="en-US" dirty="0"/>
           </a:p>
@@ -4565,7 +4572,7 @@
             <a:fld id="{B61BEF0D-F0BB-DE4B-95CE-6DB70DBA9567}" type="datetimeFigureOut">
               <a:rPr lang="en-US" dirty="0"/>
               <a:pPr/>
-              <a:t>9/1/2023</a:t>
+              <a:t>9/25/2023</a:t>
             </a:fld>
             <a:endParaRPr lang="en-US" dirty="0"/>
           </a:p>
@@ -5263,7 +5270,7 @@
             <a:fld id="{B61BEF0D-F0BB-DE4B-95CE-6DB70DBA9567}" type="datetimeFigureOut">
               <a:rPr lang="en-US" dirty="0"/>
               <a:pPr/>
-              <a:t>9/1/2023</a:t>
+              <a:t>9/25/2023</a:t>
             </a:fld>
             <a:endParaRPr lang="en-US" dirty="0"/>
           </a:p>
@@ -5881,6 +5888,416 @@
 </p:sld>
 </file>
 
+<file path=ppt/slides/slide10.xml><?xml version="1.0" encoding="utf-8"?>
+<p:sld xmlns:a="http://schemas.openxmlformats.org/drawingml/2006/main" xmlns:r="http://schemas.openxmlformats.org/officeDocument/2006/relationships" xmlns:p="http://schemas.openxmlformats.org/presentationml/2006/main">
+  <p:cSld>
+    <p:spTree>
+      <p:nvGrpSpPr>
+        <p:cNvPr id="1" name=""/>
+        <p:cNvGrpSpPr/>
+        <p:nvPr/>
+      </p:nvGrpSpPr>
+      <p:grpSpPr>
+        <a:xfrm>
+          <a:off x="0" y="0"/>
+          <a:ext cx="0" cy="0"/>
+          <a:chOff x="0" y="0"/>
+          <a:chExt cx="0" cy="0"/>
+        </a:xfrm>
+      </p:grpSpPr>
+      <p:sp>
+        <p:nvSpPr>
+          <p:cNvPr id="2" name="Заголовок 1">
+            <a:extLst>
+              <a:ext uri="{FF2B5EF4-FFF2-40B4-BE49-F238E27FC236}">
+                <a16:creationId xmlns:a16="http://schemas.microsoft.com/office/drawing/2014/main" id="{BD858D54-17F7-39BB-3FF5-B0D9C7BC6077}"/>
+              </a:ext>
+            </a:extLst>
+          </p:cNvPr>
+          <p:cNvSpPr>
+            <a:spLocks noGrp="1"/>
+          </p:cNvSpPr>
+          <p:nvPr>
+            <p:ph type="title"/>
+          </p:nvPr>
+        </p:nvSpPr>
+        <p:spPr/>
+        <p:txBody>
+          <a:bodyPr/>
+          <a:lstStyle/>
+          <a:p>
+            <a:r>
+              <a:rPr lang="en-US" dirty="0"/>
+              <a:t>Backend</a:t>
+            </a:r>
+            <a:endParaRPr lang="ru-RU" dirty="0"/>
+          </a:p>
+        </p:txBody>
+      </p:sp>
+      <p:sp>
+        <p:nvSpPr>
+          <p:cNvPr id="3" name="Объект 2">
+            <a:extLst>
+              <a:ext uri="{FF2B5EF4-FFF2-40B4-BE49-F238E27FC236}">
+                <a16:creationId xmlns:a16="http://schemas.microsoft.com/office/drawing/2014/main" id="{1DBD3B2E-BF21-42B2-972C-4D825D1EDDB0}"/>
+              </a:ext>
+            </a:extLst>
+          </p:cNvPr>
+          <p:cNvSpPr>
+            <a:spLocks noGrp="1"/>
+          </p:cNvSpPr>
+          <p:nvPr>
+            <p:ph idx="1"/>
+          </p:nvPr>
+        </p:nvSpPr>
+        <p:spPr>
+          <a:xfrm>
+            <a:off x="677334" y="1488613"/>
+            <a:ext cx="8596668" cy="3880773"/>
+          </a:xfrm>
+        </p:spPr>
+        <p:txBody>
+          <a:bodyPr/>
+          <a:lstStyle/>
+          <a:p>
+            <a:pPr marL="0" indent="0">
+              <a:lnSpc>
+                <a:spcPct val="150000"/>
+              </a:lnSpc>
+              <a:buNone/>
+            </a:pPr>
+            <a:r>
+              <a:rPr lang="ru-RU" dirty="0"/>
+              <a:t>Также для работы сервиса был реализован </a:t>
+            </a:r>
+            <a:r>
+              <a:rPr lang="en-US" dirty="0"/>
+              <a:t>backend</a:t>
+            </a:r>
+            <a:r>
+              <a:rPr lang="ru-RU" dirty="0"/>
+              <a:t>, в котором используются следующие технологии:</a:t>
+            </a:r>
+          </a:p>
+          <a:p>
+            <a:pPr>
+              <a:buFont typeface="+mj-lt"/>
+              <a:buAutoNum type="arabicPeriod"/>
+            </a:pPr>
+            <a:r>
+              <a:rPr lang="en-US" dirty="0"/>
+              <a:t>Spring Rest</a:t>
+            </a:r>
+          </a:p>
+          <a:p>
+            <a:pPr>
+              <a:buFont typeface="+mj-lt"/>
+              <a:buAutoNum type="arabicPeriod"/>
+            </a:pPr>
+            <a:r>
+              <a:rPr lang="en-US" dirty="0"/>
+              <a:t>Spring </a:t>
+            </a:r>
+            <a:r>
+              <a:rPr lang="en-US" dirty="0" err="1"/>
+              <a:t>Jpa</a:t>
+            </a:r>
+            <a:r>
+              <a:rPr lang="en-US" dirty="0"/>
+              <a:t> Repository</a:t>
+            </a:r>
+          </a:p>
+          <a:p>
+            <a:pPr>
+              <a:buFont typeface="+mj-lt"/>
+              <a:buAutoNum type="arabicPeriod"/>
+            </a:pPr>
+            <a:r>
+              <a:rPr lang="en-US" dirty="0"/>
+              <a:t>Docker</a:t>
+            </a:r>
+          </a:p>
+          <a:p>
+            <a:pPr>
+              <a:buFont typeface="+mj-lt"/>
+              <a:buAutoNum type="arabicPeriod"/>
+            </a:pPr>
+            <a:r>
+              <a:rPr lang="en-US" dirty="0"/>
+              <a:t>PostgreSQL</a:t>
+            </a:r>
+          </a:p>
+        </p:txBody>
+      </p:sp>
+    </p:spTree>
+    <p:extLst>
+      <p:ext uri="{BB962C8B-B14F-4D97-AF65-F5344CB8AC3E}">
+        <p14:creationId xmlns:p14="http://schemas.microsoft.com/office/powerpoint/2010/main" val="2000171359"/>
+      </p:ext>
+    </p:extLst>
+  </p:cSld>
+  <p:clrMapOvr>
+    <a:masterClrMapping/>
+  </p:clrMapOvr>
+</p:sld>
+</file>
+
+<file path=ppt/slides/slide11.xml><?xml version="1.0" encoding="utf-8"?>
+<p:sld xmlns:a="http://schemas.openxmlformats.org/drawingml/2006/main" xmlns:r="http://schemas.openxmlformats.org/officeDocument/2006/relationships" xmlns:p="http://schemas.openxmlformats.org/presentationml/2006/main">
+  <p:cSld>
+    <p:spTree>
+      <p:nvGrpSpPr>
+        <p:cNvPr id="1" name=""/>
+        <p:cNvGrpSpPr/>
+        <p:nvPr/>
+      </p:nvGrpSpPr>
+      <p:grpSpPr>
+        <a:xfrm>
+          <a:off x="0" y="0"/>
+          <a:ext cx="0" cy="0"/>
+          <a:chOff x="0" y="0"/>
+          <a:chExt cx="0" cy="0"/>
+        </a:xfrm>
+      </p:grpSpPr>
+      <p:sp>
+        <p:nvSpPr>
+          <p:cNvPr id="2" name="Заголовок 1">
+            <a:extLst>
+              <a:ext uri="{FF2B5EF4-FFF2-40B4-BE49-F238E27FC236}">
+                <a16:creationId xmlns:a16="http://schemas.microsoft.com/office/drawing/2014/main" id="{CCE3375A-273C-9979-36FA-D1BE851DAB9F}"/>
+              </a:ext>
+            </a:extLst>
+          </p:cNvPr>
+          <p:cNvSpPr>
+            <a:spLocks noGrp="1"/>
+          </p:cNvSpPr>
+          <p:nvPr>
+            <p:ph type="title"/>
+          </p:nvPr>
+        </p:nvSpPr>
+        <p:spPr/>
+        <p:txBody>
+          <a:bodyPr/>
+          <a:lstStyle/>
+          <a:p>
+            <a:r>
+              <a:rPr lang="ru-RU" dirty="0"/>
+              <a:t>Достоинства и недостатки приложения</a:t>
+            </a:r>
+          </a:p>
+        </p:txBody>
+      </p:sp>
+      <p:sp>
+        <p:nvSpPr>
+          <p:cNvPr id="3" name="Объект 2">
+            <a:extLst>
+              <a:ext uri="{FF2B5EF4-FFF2-40B4-BE49-F238E27FC236}">
+                <a16:creationId xmlns:a16="http://schemas.microsoft.com/office/drawing/2014/main" id="{8FCAF0A9-F267-C938-DB19-929804705BE3}"/>
+              </a:ext>
+            </a:extLst>
+          </p:cNvPr>
+          <p:cNvSpPr>
+            <a:spLocks noGrp="1"/>
+          </p:cNvSpPr>
+          <p:nvPr>
+            <p:ph idx="1"/>
+          </p:nvPr>
+        </p:nvSpPr>
+        <p:spPr/>
+        <p:txBody>
+          <a:bodyPr>
+            <a:normAutofit/>
+          </a:bodyPr>
+          <a:lstStyle/>
+          <a:p>
+            <a:pPr marL="0" indent="0" algn="just">
+              <a:lnSpc>
+                <a:spcPct val="110000"/>
+              </a:lnSpc>
+              <a:spcAft>
+                <a:spcPts val="750"/>
+              </a:spcAft>
+              <a:buNone/>
+            </a:pPr>
+            <a:r>
+              <a:rPr lang="ru-RU" sz="1400" kern="0" spc="19" dirty="0">
+                <a:solidFill>
+                  <a:schemeClr val="tx1">
+                    <a:lumMod val="85000"/>
+                    <a:lumOff val="15000"/>
+                  </a:schemeClr>
+                </a:solidFill>
+              </a:rPr>
+              <a:t>В результате разработки приложения были получены результаты.</a:t>
+            </a:r>
+          </a:p>
+          <a:p>
+            <a:pPr marL="0" indent="0" algn="just">
+              <a:lnSpc>
+                <a:spcPct val="110000"/>
+              </a:lnSpc>
+              <a:spcAft>
+                <a:spcPts val="750"/>
+              </a:spcAft>
+              <a:buNone/>
+            </a:pPr>
+            <a:r>
+              <a:rPr lang="ru-RU" sz="1400" kern="0" spc="19" dirty="0">
+                <a:solidFill>
+                  <a:schemeClr val="tx1">
+                    <a:lumMod val="85000"/>
+                    <a:lumOff val="15000"/>
+                  </a:schemeClr>
+                </a:solidFill>
+              </a:rPr>
+              <a:t>Достоинства:</a:t>
+            </a:r>
+          </a:p>
+          <a:p>
+            <a:pPr marL="285750" indent="-285750" algn="just">
+              <a:lnSpc>
+                <a:spcPct val="110000"/>
+              </a:lnSpc>
+              <a:spcAft>
+                <a:spcPts val="750"/>
+              </a:spcAft>
+              <a:buFont typeface="Arial" panose="020B0604020202020204" pitchFamily="34" charset="0"/>
+              <a:buChar char="•"/>
+            </a:pPr>
+            <a:r>
+              <a:rPr lang="ru-RU" sz="1400" kern="0" spc="19" dirty="0">
+                <a:solidFill>
+                  <a:schemeClr val="tx1">
+                    <a:lumMod val="85000"/>
+                    <a:lumOff val="15000"/>
+                  </a:schemeClr>
+                </a:solidFill>
+              </a:rPr>
+              <a:t>Был реализован весь нужный функционал</a:t>
+            </a:r>
+          </a:p>
+          <a:p>
+            <a:pPr marL="285750" indent="-285750" algn="just">
+              <a:lnSpc>
+                <a:spcPct val="110000"/>
+              </a:lnSpc>
+              <a:spcAft>
+                <a:spcPts val="750"/>
+              </a:spcAft>
+              <a:buFont typeface="Arial" panose="020B0604020202020204" pitchFamily="34" charset="0"/>
+              <a:buChar char="•"/>
+            </a:pPr>
+            <a:r>
+              <a:rPr lang="ru-RU" sz="1400" kern="0" spc="19" dirty="0">
+                <a:solidFill>
+                  <a:schemeClr val="tx1">
+                    <a:lumMod val="85000"/>
+                    <a:lumOff val="15000"/>
+                  </a:schemeClr>
+                </a:solidFill>
+              </a:rPr>
+              <a:t>Привлечена первая аудитория</a:t>
+            </a:r>
+          </a:p>
+          <a:p>
+            <a:pPr marL="0" indent="0" algn="just">
+              <a:lnSpc>
+                <a:spcPct val="110000"/>
+              </a:lnSpc>
+              <a:spcAft>
+                <a:spcPts val="750"/>
+              </a:spcAft>
+              <a:buNone/>
+            </a:pPr>
+            <a:r>
+              <a:rPr lang="ru-RU" sz="1400" kern="0" spc="19" dirty="0">
+                <a:solidFill>
+                  <a:schemeClr val="tx1">
+                    <a:lumMod val="85000"/>
+                    <a:lumOff val="15000"/>
+                  </a:schemeClr>
+                </a:solidFill>
+              </a:rPr>
+              <a:t>Недостатки:</a:t>
+            </a:r>
+          </a:p>
+          <a:p>
+            <a:pPr marL="285750" indent="-285750" algn="just">
+              <a:lnSpc>
+                <a:spcPct val="110000"/>
+              </a:lnSpc>
+              <a:spcAft>
+                <a:spcPts val="750"/>
+              </a:spcAft>
+              <a:buFont typeface="Arial" panose="020B0604020202020204" pitchFamily="34" charset="0"/>
+              <a:buChar char="•"/>
+            </a:pPr>
+            <a:r>
+              <a:rPr lang="ru-RU" sz="1400" kern="0" spc="19" dirty="0">
+                <a:solidFill>
+                  <a:schemeClr val="tx1">
+                    <a:lumMod val="85000"/>
+                    <a:lumOff val="15000"/>
+                  </a:schemeClr>
+                </a:solidFill>
+              </a:rPr>
+              <a:t>Слабая рекламная кампания</a:t>
+            </a:r>
+          </a:p>
+          <a:p>
+            <a:pPr marL="285750" indent="-285750" algn="just">
+              <a:lnSpc>
+                <a:spcPct val="110000"/>
+              </a:lnSpc>
+              <a:spcAft>
+                <a:spcPts val="750"/>
+              </a:spcAft>
+              <a:buFont typeface="Arial" panose="020B0604020202020204" pitchFamily="34" charset="0"/>
+              <a:buChar char="•"/>
+            </a:pPr>
+            <a:r>
+              <a:rPr lang="ru-RU" sz="1400" kern="0" spc="19" dirty="0">
+                <a:solidFill>
+                  <a:schemeClr val="tx1">
+                    <a:lumMod val="85000"/>
+                    <a:lumOff val="15000"/>
+                  </a:schemeClr>
+                </a:solidFill>
+              </a:rPr>
+              <a:t>Интерфейс приложения</a:t>
+            </a:r>
+          </a:p>
+          <a:p>
+            <a:pPr marL="0" indent="0">
+              <a:lnSpc>
+                <a:spcPct val="110000"/>
+              </a:lnSpc>
+              <a:buNone/>
+            </a:pPr>
+            <a:endParaRPr lang="ru-RU" sz="1400" dirty="0">
+              <a:solidFill>
+                <a:schemeClr val="tx1">
+                  <a:lumMod val="85000"/>
+                  <a:lumOff val="15000"/>
+                </a:schemeClr>
+              </a:solidFill>
+            </a:endParaRPr>
+          </a:p>
+        </p:txBody>
+      </p:sp>
+    </p:spTree>
+    <p:extLst>
+      <p:ext uri="{BB962C8B-B14F-4D97-AF65-F5344CB8AC3E}">
+        <p14:creationId xmlns:p14="http://schemas.microsoft.com/office/powerpoint/2010/main" val="3413529629"/>
+      </p:ext>
+    </p:extLst>
+  </p:cSld>
+  <p:clrMapOvr>
+    <a:masterClrMapping/>
+  </p:clrMapOvr>
+</p:sld>
+</file>
+
 <file path=ppt/slides/slide2.xml><?xml version="1.0" encoding="utf-8"?>
 <p:sld xmlns:a="http://schemas.openxmlformats.org/drawingml/2006/main" xmlns:r="http://schemas.openxmlformats.org/officeDocument/2006/relationships" xmlns:p="http://schemas.openxmlformats.org/presentationml/2006/main">
   <p:cSld>
@@ -6324,7 +6741,7 @@
           <p:cNvPr id="2" name="Заголовок 1">
             <a:extLst>
               <a:ext uri="{FF2B5EF4-FFF2-40B4-BE49-F238E27FC236}">
-                <a16:creationId xmlns:a16="http://schemas.microsoft.com/office/drawing/2014/main" id="{F2ADD0B3-2333-9C1F-9079-5BBEAEE1034E}"/>
+                <a16:creationId xmlns:a16="http://schemas.microsoft.com/office/drawing/2014/main" id="{77C3DFB6-FE50-4DAC-A45A-140A29C1DCCF}"/>
               </a:ext>
             </a:extLst>
           </p:cNvPr>
@@ -6342,7 +6759,7 @@
           <a:p>
             <a:r>
               <a:rPr lang="ru-RU" dirty="0"/>
-              <a:t>Наиболее значимые риски проекта</a:t>
+              <a:t>Целевая аудитория</a:t>
             </a:r>
           </a:p>
         </p:txBody>
@@ -6352,7 +6769,7 @@
           <p:cNvPr id="3" name="Объект 2">
             <a:extLst>
               <a:ext uri="{FF2B5EF4-FFF2-40B4-BE49-F238E27FC236}">
-                <a16:creationId xmlns:a16="http://schemas.microsoft.com/office/drawing/2014/main" id="{FF26A222-BAF6-729F-23A7-FD952D5DBF8F}"/>
+                <a16:creationId xmlns:a16="http://schemas.microsoft.com/office/drawing/2014/main" id="{178FDF9D-21C1-CB9A-FCF1-0816B4A87A1A}"/>
               </a:ext>
             </a:extLst>
           </p:cNvPr>
@@ -6363,17 +6780,101 @@
             <p:ph idx="1"/>
           </p:nvPr>
         </p:nvSpPr>
-        <p:spPr/>
-        <p:txBody>
-          <a:bodyPr/>
+        <p:spPr>
+          <a:xfrm>
+            <a:off x="677334" y="1606379"/>
+            <a:ext cx="10283108" cy="4763530"/>
+          </a:xfrm>
+        </p:spPr>
+        <p:txBody>
+          <a:bodyPr>
+            <a:normAutofit/>
+          </a:bodyPr>
           <a:lstStyle/>
           <a:p>
             <a:pPr marL="0" indent="0">
               <a:buNone/>
             </a:pPr>
             <a:r>
-              <a:rPr lang="ru-RU" dirty="0"/>
-              <a:t>Из наиболее значимых рисков проекта можно выделить переход аудитории из других социальных сетей, так как ликвидность аудитории в онлайн формате не слишком большая.</a:t>
+              <a:rPr lang="ru-RU" sz="1400" dirty="0">
+                <a:latin typeface="Trebuchet MS" panose="020B0603020202020204" pitchFamily="34" charset="0"/>
+              </a:rPr>
+              <a:t>Продукт ориентирован на широкий круг пользователей, которые испытывают потребность в развитии собственной социальности и лечении социофобии. Целью является создание инновационного приложения, </a:t>
+            </a:r>
+            <a:r>
+              <a:rPr lang="ru-RU" sz="1400" b="1" u="sng" dirty="0">
+                <a:latin typeface="Trebuchet MS" panose="020B0603020202020204" pitchFamily="34" charset="0"/>
+              </a:rPr>
+              <a:t>способствующего улучшению социальных навыков</a:t>
+            </a:r>
+            <a:r>
+              <a:rPr lang="ru-RU" sz="1400" b="1" dirty="0">
+                <a:latin typeface="Trebuchet MS" panose="020B0603020202020204" pitchFamily="34" charset="0"/>
+              </a:rPr>
+              <a:t>. </a:t>
+            </a:r>
+            <a:r>
+              <a:rPr lang="ru-RU" sz="1400" dirty="0">
+                <a:latin typeface="Trebuchet MS" panose="020B0603020202020204" pitchFamily="34" charset="0"/>
+              </a:rPr>
+              <a:t>Вот более подробное описание нашей целевой аудитории:</a:t>
+            </a:r>
+          </a:p>
+          <a:p>
+            <a:pPr marL="0" indent="0">
+              <a:buNone/>
+            </a:pPr>
+            <a:r>
+              <a:rPr lang="ru-RU" sz="1400" dirty="0">
+                <a:latin typeface="Trebuchet MS" panose="020B0603020202020204" pitchFamily="34" charset="0"/>
+              </a:rPr>
+              <a:t>Люди, страдающие социофобией: Наше приложение предназначено для людей, которые испытывают социальную фобию или </a:t>
+            </a:r>
+            <a:r>
+              <a:rPr lang="ru-RU" sz="1400" b="1" u="sng" dirty="0">
+                <a:latin typeface="Trebuchet MS" panose="020B0603020202020204" pitchFamily="34" charset="0"/>
+              </a:rPr>
+              <a:t>боязнь общения с другими</a:t>
+            </a:r>
+            <a:r>
+              <a:rPr lang="ru-RU" sz="1400" dirty="0">
+                <a:latin typeface="Trebuchet MS" panose="020B0603020202020204" pitchFamily="34" charset="0"/>
+              </a:rPr>
+              <a:t>. Мы стремимся предоставить им инструмент, который поможет им справиться с этими трудностями и постепенно улучшить свои социальные навыки.</a:t>
+            </a:r>
+          </a:p>
+          <a:p>
+            <a:pPr marL="0" indent="0">
+              <a:buNone/>
+            </a:pPr>
+            <a:r>
+              <a:rPr lang="ru-RU" sz="1400" dirty="0">
+                <a:latin typeface="Trebuchet MS" panose="020B0603020202020204" pitchFamily="34" charset="0"/>
+              </a:rPr>
+              <a:t>Люди, желающие развивать социальность: Наш продукт также приветствует тех, кто хочет активно развивать свои социальные навыки и стать более общительными. Мы предлагаем им возможность </a:t>
+            </a:r>
+            <a:r>
+              <a:rPr lang="ru-RU" sz="1400" b="1" u="sng" dirty="0">
+                <a:latin typeface="Trebuchet MS" panose="020B0603020202020204" pitchFamily="34" charset="0"/>
+              </a:rPr>
+              <a:t>ежедневно практиковать общение и взаимодействие с окружающими</a:t>
+            </a:r>
+            <a:r>
+              <a:rPr lang="ru-RU" sz="1400" b="1" dirty="0">
+                <a:latin typeface="Trebuchet MS" panose="020B0603020202020204" pitchFamily="34" charset="0"/>
+              </a:rPr>
+              <a:t>.</a:t>
+            </a:r>
+          </a:p>
+          <a:p>
+            <a:pPr marL="0" indent="0">
+              <a:buNone/>
+            </a:pPr>
+            <a:r>
+              <a:rPr lang="ru-RU" sz="1400" dirty="0">
+                <a:latin typeface="Trebuchet MS" panose="020B0603020202020204" pitchFamily="34" charset="0"/>
+              </a:rPr>
+              <a:t>Разнообразная возрастная группа: Наша целевая аудитория включает в себя людей разного возраста, начиная с подростков и заканчивая взрослыми. Мы адаптируем контент и задания в приложении, чтобы соответствовать различным возрастным категориям. </a:t>
             </a:r>
           </a:p>
         </p:txBody>
@@ -6381,7 +6882,7 @@
     </p:spTree>
     <p:extLst>
       <p:ext uri="{BB962C8B-B14F-4D97-AF65-F5344CB8AC3E}">
-        <p14:creationId xmlns:p14="http://schemas.microsoft.com/office/powerpoint/2010/main" val="578639018"/>
+        <p14:creationId xmlns:p14="http://schemas.microsoft.com/office/powerpoint/2010/main" val="2644132369"/>
       </p:ext>
     </p:extLst>
   </p:cSld>
@@ -6476,7 +6977,10 @@
               <a:rPr lang="ru-RU" dirty="0" err="1"/>
               <a:t>Вк</a:t>
             </a:r>
-            <a:endParaRPr lang="ru-RU" dirty="0"/>
+            <a:r>
+              <a:rPr lang="ru-RU" dirty="0"/>
+              <a:t>. В них Вы также можете развивать свою социальность, но эти приложения не направлены напрямую на целевую аудиторию данного приложения. Перечисленные приложения лишь косвенно могут Вам помогать в развитии социальности</a:t>
+            </a:r>
           </a:p>
         </p:txBody>
       </p:sp>
@@ -6656,6 +7160,95 @@
           <p:cNvPr id="2" name="Заголовок 1">
             <a:extLst>
               <a:ext uri="{FF2B5EF4-FFF2-40B4-BE49-F238E27FC236}">
+                <a16:creationId xmlns:a16="http://schemas.microsoft.com/office/drawing/2014/main" id="{F2ADD0B3-2333-9C1F-9079-5BBEAEE1034E}"/>
+              </a:ext>
+            </a:extLst>
+          </p:cNvPr>
+          <p:cNvSpPr>
+            <a:spLocks noGrp="1"/>
+          </p:cNvSpPr>
+          <p:nvPr>
+            <p:ph type="title"/>
+          </p:nvPr>
+        </p:nvSpPr>
+        <p:spPr/>
+        <p:txBody>
+          <a:bodyPr/>
+          <a:lstStyle/>
+          <a:p>
+            <a:r>
+              <a:rPr lang="ru-RU" dirty="0"/>
+              <a:t>Наиболее значимые риски проекта</a:t>
+            </a:r>
+          </a:p>
+        </p:txBody>
+      </p:sp>
+      <p:sp>
+        <p:nvSpPr>
+          <p:cNvPr id="3" name="Объект 2">
+            <a:extLst>
+              <a:ext uri="{FF2B5EF4-FFF2-40B4-BE49-F238E27FC236}">
+                <a16:creationId xmlns:a16="http://schemas.microsoft.com/office/drawing/2014/main" id="{FF26A222-BAF6-729F-23A7-FD952D5DBF8F}"/>
+              </a:ext>
+            </a:extLst>
+          </p:cNvPr>
+          <p:cNvSpPr>
+            <a:spLocks noGrp="1"/>
+          </p:cNvSpPr>
+          <p:nvPr>
+            <p:ph idx="1"/>
+          </p:nvPr>
+        </p:nvSpPr>
+        <p:spPr/>
+        <p:txBody>
+          <a:bodyPr/>
+          <a:lstStyle/>
+          <a:p>
+            <a:pPr marL="0" indent="0">
+              <a:buNone/>
+            </a:pPr>
+            <a:r>
+              <a:rPr lang="ru-RU" dirty="0"/>
+              <a:t>Из наиболее значимых рисков проекта можно выделить переход аудитории из других социальных сетей, так как ликвидность аудитории в онлайн формате не слишком большая.</a:t>
+            </a:r>
+          </a:p>
+        </p:txBody>
+      </p:sp>
+    </p:spTree>
+    <p:extLst>
+      <p:ext uri="{BB962C8B-B14F-4D97-AF65-F5344CB8AC3E}">
+        <p14:creationId xmlns:p14="http://schemas.microsoft.com/office/powerpoint/2010/main" val="578639018"/>
+      </p:ext>
+    </p:extLst>
+  </p:cSld>
+  <p:clrMapOvr>
+    <a:masterClrMapping/>
+  </p:clrMapOvr>
+</p:sld>
+</file>
+
+<file path=ppt/slides/slide6.xml><?xml version="1.0" encoding="utf-8"?>
+<p:sld xmlns:a="http://schemas.openxmlformats.org/drawingml/2006/main" xmlns:r="http://schemas.openxmlformats.org/officeDocument/2006/relationships" xmlns:p="http://schemas.openxmlformats.org/presentationml/2006/main">
+  <p:cSld>
+    <p:spTree>
+      <p:nvGrpSpPr>
+        <p:cNvPr id="1" name=""/>
+        <p:cNvGrpSpPr/>
+        <p:nvPr/>
+      </p:nvGrpSpPr>
+      <p:grpSpPr>
+        <a:xfrm>
+          <a:off x="0" y="0"/>
+          <a:ext cx="0" cy="0"/>
+          <a:chOff x="0" y="0"/>
+          <a:chExt cx="0" cy="0"/>
+        </a:xfrm>
+      </p:grpSpPr>
+      <p:sp>
+        <p:nvSpPr>
+          <p:cNvPr id="2" name="Заголовок 1">
+            <a:extLst>
+              <a:ext uri="{FF2B5EF4-FFF2-40B4-BE49-F238E27FC236}">
                 <a16:creationId xmlns:a16="http://schemas.microsoft.com/office/drawing/2014/main" id="{37C9E40F-A741-FAEB-CE16-251DDF5D3A25}"/>
               </a:ext>
             </a:extLst>
@@ -6973,204 +7566,6 @@
 </p:sld>
 </file>
 
-<file path=ppt/slides/slide6.xml><?xml version="1.0" encoding="utf-8"?>
-<p:sld xmlns:a="http://schemas.openxmlformats.org/drawingml/2006/main" xmlns:r="http://schemas.openxmlformats.org/officeDocument/2006/relationships" xmlns:p="http://schemas.openxmlformats.org/presentationml/2006/main">
-  <p:cSld>
-    <p:spTree>
-      <p:nvGrpSpPr>
-        <p:cNvPr id="1" name=""/>
-        <p:cNvGrpSpPr/>
-        <p:nvPr/>
-      </p:nvGrpSpPr>
-      <p:grpSpPr>
-        <a:xfrm>
-          <a:off x="0" y="0"/>
-          <a:ext cx="0" cy="0"/>
-          <a:chOff x="0" y="0"/>
-          <a:chExt cx="0" cy="0"/>
-        </a:xfrm>
-      </p:grpSpPr>
-      <p:sp>
-        <p:nvSpPr>
-          <p:cNvPr id="2" name="Заголовок 1">
-            <a:extLst>
-              <a:ext uri="{FF2B5EF4-FFF2-40B4-BE49-F238E27FC236}">
-                <a16:creationId xmlns:a16="http://schemas.microsoft.com/office/drawing/2014/main" id="{B55D230F-9D71-8580-EBDA-BC8CB042E4D1}"/>
-              </a:ext>
-            </a:extLst>
-          </p:cNvPr>
-          <p:cNvSpPr>
-            <a:spLocks noGrp="1"/>
-          </p:cNvSpPr>
-          <p:nvPr>
-            <p:ph type="title"/>
-          </p:nvPr>
-        </p:nvSpPr>
-        <p:spPr/>
-        <p:txBody>
-          <a:bodyPr/>
-          <a:lstStyle/>
-          <a:p>
-            <a:r>
-              <a:rPr lang="ru-RU" dirty="0"/>
-              <a:t>Реализация</a:t>
-            </a:r>
-          </a:p>
-        </p:txBody>
-      </p:sp>
-      <p:sp>
-        <p:nvSpPr>
-          <p:cNvPr id="3" name="Объект 2">
-            <a:extLst>
-              <a:ext uri="{FF2B5EF4-FFF2-40B4-BE49-F238E27FC236}">
-                <a16:creationId xmlns:a16="http://schemas.microsoft.com/office/drawing/2014/main" id="{AA9DC8BC-6B5A-B54A-0172-558FE7CC1E6C}"/>
-              </a:ext>
-            </a:extLst>
-          </p:cNvPr>
-          <p:cNvSpPr>
-            <a:spLocks noGrp="1"/>
-          </p:cNvSpPr>
-          <p:nvPr>
-            <p:ph idx="1"/>
-          </p:nvPr>
-        </p:nvSpPr>
-        <p:spPr/>
-        <p:txBody>
-          <a:bodyPr/>
-          <a:lstStyle/>
-          <a:p>
-            <a:pPr marL="0" indent="0">
-              <a:buNone/>
-            </a:pPr>
-            <a:r>
-              <a:rPr lang="ru-RU" dirty="0"/>
-              <a:t>Реализация данного продукта включает в себя несколько этапов:</a:t>
-            </a:r>
-          </a:p>
-          <a:p>
-            <a:pPr>
-              <a:buFont typeface="+mj-lt"/>
-              <a:buAutoNum type="arabicPeriod"/>
-            </a:pPr>
-            <a:r>
-              <a:rPr lang="en-US" dirty="0" err="1"/>
-              <a:t>Разбор</a:t>
-            </a:r>
-            <a:r>
-              <a:rPr lang="en-US" dirty="0"/>
-              <a:t> </a:t>
-            </a:r>
-            <a:r>
-              <a:rPr lang="en-US" dirty="0" err="1"/>
-              <a:t>самой</a:t>
-            </a:r>
-            <a:r>
-              <a:rPr lang="en-US" dirty="0"/>
-              <a:t> </a:t>
-            </a:r>
-            <a:r>
-              <a:rPr lang="en-US" dirty="0" err="1"/>
-              <a:t>задачи</a:t>
-            </a:r>
-            <a:r>
-              <a:rPr lang="en-US" dirty="0"/>
-              <a:t>
-</a:t>
-            </a:r>
-            <a:r>
-              <a:rPr lang="en-US" dirty="0" err="1"/>
-              <a:t>Конкурентный</a:t>
-            </a:r>
-            <a:r>
-              <a:rPr lang="en-US" dirty="0"/>
-              <a:t> </a:t>
-            </a:r>
-            <a:r>
-              <a:rPr lang="en-US" dirty="0" err="1"/>
-              <a:t>анализ</a:t>
-            </a:r>
-            <a:r>
-              <a:rPr lang="en-US" dirty="0"/>
-              <a:t>
-</a:t>
-            </a:r>
-            <a:r>
-              <a:rPr lang="en-US" dirty="0" err="1"/>
-              <a:t>Анализ</a:t>
-            </a:r>
-            <a:r>
-              <a:rPr lang="en-US" dirty="0"/>
-              <a:t> </a:t>
-            </a:r>
-            <a:r>
-              <a:rPr lang="en-US" dirty="0" err="1"/>
-              <a:t>решений</a:t>
-            </a:r>
-            <a:r>
-              <a:rPr lang="en-US" dirty="0"/>
-              <a:t> в </a:t>
-            </a:r>
-            <a:r>
-              <a:rPr lang="en-US" dirty="0" err="1"/>
-              <a:t>смежных</a:t>
-            </a:r>
-            <a:r>
-              <a:rPr lang="en-US" dirty="0"/>
-              <a:t> </a:t>
-            </a:r>
-            <a:r>
-              <a:rPr lang="en-US" dirty="0" err="1"/>
-              <a:t>областях</a:t>
-            </a:r>
-            <a:r>
-              <a:rPr lang="en-US" dirty="0"/>
-              <a:t>
-</a:t>
-            </a:r>
-            <a:r>
-              <a:rPr lang="en-US" dirty="0" err="1"/>
-              <a:t>Построение</a:t>
-            </a:r>
-            <a:r>
-              <a:rPr lang="en-US" dirty="0"/>
-              <a:t> Roadmap
-</a:t>
-            </a:r>
-            <a:r>
-              <a:rPr lang="en-US" dirty="0" err="1"/>
-              <a:t>Реализация</a:t>
-            </a:r>
-            <a:r>
-              <a:rPr lang="en-US" dirty="0"/>
-              <a:t> </a:t>
-            </a:r>
-            <a:r>
-              <a:rPr lang="en-US" dirty="0" err="1"/>
-              <a:t>идеи</a:t>
-            </a:r>
-            <a:endParaRPr lang="en-US" dirty="0"/>
-          </a:p>
-          <a:p>
-            <a:pPr marL="0" indent="0">
-              <a:buNone/>
-            </a:pPr>
-            <a:endParaRPr lang="ru-RU" dirty="0"/>
-          </a:p>
-        </p:txBody>
-      </p:sp>
-    </p:spTree>
-    <p:extLst>
-      <p:ext uri="{BB962C8B-B14F-4D97-AF65-F5344CB8AC3E}">
-        <p14:creationId xmlns:p14="http://schemas.microsoft.com/office/powerpoint/2010/main" val="970680170"/>
-      </p:ext>
-    </p:extLst>
-  </p:cSld>
-  <p:clrMapOvr>
-    <a:masterClrMapping/>
-  </p:clrMapOvr>
-</p:sld>
-</file>
-
 <file path=ppt/slides/slide7.xml><?xml version="1.0" encoding="utf-8"?>
 <p:sld xmlns:a="http://schemas.openxmlformats.org/drawingml/2006/main" xmlns:r="http://schemas.openxmlformats.org/officeDocument/2006/relationships" xmlns:p="http://schemas.openxmlformats.org/presentationml/2006/main">
   <p:cSld>
@@ -7193,6 +7588,204 @@
           <p:cNvPr id="2" name="Заголовок 1">
             <a:extLst>
               <a:ext uri="{FF2B5EF4-FFF2-40B4-BE49-F238E27FC236}">
+                <a16:creationId xmlns:a16="http://schemas.microsoft.com/office/drawing/2014/main" id="{B55D230F-9D71-8580-EBDA-BC8CB042E4D1}"/>
+              </a:ext>
+            </a:extLst>
+          </p:cNvPr>
+          <p:cNvSpPr>
+            <a:spLocks noGrp="1"/>
+          </p:cNvSpPr>
+          <p:nvPr>
+            <p:ph type="title"/>
+          </p:nvPr>
+        </p:nvSpPr>
+        <p:spPr/>
+        <p:txBody>
+          <a:bodyPr/>
+          <a:lstStyle/>
+          <a:p>
+            <a:r>
+              <a:rPr lang="ru-RU" dirty="0"/>
+              <a:t>Реализация</a:t>
+            </a:r>
+          </a:p>
+        </p:txBody>
+      </p:sp>
+      <p:sp>
+        <p:nvSpPr>
+          <p:cNvPr id="3" name="Объект 2">
+            <a:extLst>
+              <a:ext uri="{FF2B5EF4-FFF2-40B4-BE49-F238E27FC236}">
+                <a16:creationId xmlns:a16="http://schemas.microsoft.com/office/drawing/2014/main" id="{AA9DC8BC-6B5A-B54A-0172-558FE7CC1E6C}"/>
+              </a:ext>
+            </a:extLst>
+          </p:cNvPr>
+          <p:cNvSpPr>
+            <a:spLocks noGrp="1"/>
+          </p:cNvSpPr>
+          <p:nvPr>
+            <p:ph idx="1"/>
+          </p:nvPr>
+        </p:nvSpPr>
+        <p:spPr/>
+        <p:txBody>
+          <a:bodyPr/>
+          <a:lstStyle/>
+          <a:p>
+            <a:pPr marL="0" indent="0">
+              <a:buNone/>
+            </a:pPr>
+            <a:r>
+              <a:rPr lang="ru-RU" dirty="0"/>
+              <a:t>Реализация данного продукта включает в себя несколько этапов:</a:t>
+            </a:r>
+          </a:p>
+          <a:p>
+            <a:pPr>
+              <a:buFont typeface="+mj-lt"/>
+              <a:buAutoNum type="arabicPeriod"/>
+            </a:pPr>
+            <a:r>
+              <a:rPr lang="en-US" dirty="0" err="1"/>
+              <a:t>Разбор</a:t>
+            </a:r>
+            <a:r>
+              <a:rPr lang="en-US" dirty="0"/>
+              <a:t> </a:t>
+            </a:r>
+            <a:r>
+              <a:rPr lang="en-US" dirty="0" err="1"/>
+              <a:t>самой</a:t>
+            </a:r>
+            <a:r>
+              <a:rPr lang="en-US" dirty="0"/>
+              <a:t> </a:t>
+            </a:r>
+            <a:r>
+              <a:rPr lang="en-US" dirty="0" err="1"/>
+              <a:t>задачи</a:t>
+            </a:r>
+            <a:r>
+              <a:rPr lang="en-US" dirty="0"/>
+              <a:t>
+</a:t>
+            </a:r>
+            <a:r>
+              <a:rPr lang="en-US" dirty="0" err="1"/>
+              <a:t>Конкурентный</a:t>
+            </a:r>
+            <a:r>
+              <a:rPr lang="en-US" dirty="0"/>
+              <a:t> </a:t>
+            </a:r>
+            <a:r>
+              <a:rPr lang="en-US" dirty="0" err="1"/>
+              <a:t>анализ</a:t>
+            </a:r>
+            <a:r>
+              <a:rPr lang="en-US" dirty="0"/>
+              <a:t>
+</a:t>
+            </a:r>
+            <a:r>
+              <a:rPr lang="en-US" dirty="0" err="1"/>
+              <a:t>Анализ</a:t>
+            </a:r>
+            <a:r>
+              <a:rPr lang="en-US" dirty="0"/>
+              <a:t> </a:t>
+            </a:r>
+            <a:r>
+              <a:rPr lang="en-US" dirty="0" err="1"/>
+              <a:t>решений</a:t>
+            </a:r>
+            <a:r>
+              <a:rPr lang="en-US" dirty="0"/>
+              <a:t> в </a:t>
+            </a:r>
+            <a:r>
+              <a:rPr lang="en-US" dirty="0" err="1"/>
+              <a:t>смежных</a:t>
+            </a:r>
+            <a:r>
+              <a:rPr lang="en-US" dirty="0"/>
+              <a:t> </a:t>
+            </a:r>
+            <a:r>
+              <a:rPr lang="en-US" dirty="0" err="1"/>
+              <a:t>областях</a:t>
+            </a:r>
+            <a:r>
+              <a:rPr lang="en-US" dirty="0"/>
+              <a:t>
+</a:t>
+            </a:r>
+            <a:r>
+              <a:rPr lang="en-US" dirty="0" err="1"/>
+              <a:t>Построение</a:t>
+            </a:r>
+            <a:r>
+              <a:rPr lang="en-US" dirty="0"/>
+              <a:t> Roadmap
+</a:t>
+            </a:r>
+            <a:r>
+              <a:rPr lang="en-US" dirty="0" err="1"/>
+              <a:t>Реализация</a:t>
+            </a:r>
+            <a:r>
+              <a:rPr lang="en-US" dirty="0"/>
+              <a:t> </a:t>
+            </a:r>
+            <a:r>
+              <a:rPr lang="en-US" dirty="0" err="1"/>
+              <a:t>идеи</a:t>
+            </a:r>
+            <a:endParaRPr lang="en-US" dirty="0"/>
+          </a:p>
+          <a:p>
+            <a:pPr marL="0" indent="0">
+              <a:buNone/>
+            </a:pPr>
+            <a:endParaRPr lang="ru-RU" dirty="0"/>
+          </a:p>
+        </p:txBody>
+      </p:sp>
+    </p:spTree>
+    <p:extLst>
+      <p:ext uri="{BB962C8B-B14F-4D97-AF65-F5344CB8AC3E}">
+        <p14:creationId xmlns:p14="http://schemas.microsoft.com/office/powerpoint/2010/main" val="970680170"/>
+      </p:ext>
+    </p:extLst>
+  </p:cSld>
+  <p:clrMapOvr>
+    <a:masterClrMapping/>
+  </p:clrMapOvr>
+</p:sld>
+</file>
+
+<file path=ppt/slides/slide8.xml><?xml version="1.0" encoding="utf-8"?>
+<p:sld xmlns:a="http://schemas.openxmlformats.org/drawingml/2006/main" xmlns:r="http://schemas.openxmlformats.org/officeDocument/2006/relationships" xmlns:p="http://schemas.openxmlformats.org/presentationml/2006/main">
+  <p:cSld>
+    <p:spTree>
+      <p:nvGrpSpPr>
+        <p:cNvPr id="1" name=""/>
+        <p:cNvGrpSpPr/>
+        <p:nvPr/>
+      </p:nvGrpSpPr>
+      <p:grpSpPr>
+        <a:xfrm>
+          <a:off x="0" y="0"/>
+          <a:ext cx="0" cy="0"/>
+          <a:chOff x="0" y="0"/>
+          <a:chExt cx="0" cy="0"/>
+        </a:xfrm>
+      </p:grpSpPr>
+      <p:sp>
+        <p:nvSpPr>
+          <p:cNvPr id="2" name="Заголовок 1">
+            <a:extLst>
+              <a:ext uri="{FF2B5EF4-FFF2-40B4-BE49-F238E27FC236}">
                 <a16:creationId xmlns:a16="http://schemas.microsoft.com/office/drawing/2014/main" id="{1596B1B9-C235-4E4A-3BF0-D860D1C94DFE}"/>
               </a:ext>
             </a:extLst>
@@ -7232,7 +7825,12 @@
             <p:ph idx="1"/>
           </p:nvPr>
         </p:nvSpPr>
-        <p:spPr/>
+        <p:spPr>
+          <a:xfrm>
+            <a:off x="677334" y="1443897"/>
+            <a:ext cx="8596668" cy="3880773"/>
+          </a:xfrm>
+        </p:spPr>
         <p:txBody>
           <a:bodyPr/>
           <a:lstStyle/>
@@ -7274,6 +7872,26 @@
             <a:r>
               <a:rPr lang="ru-RU" dirty="0"/>
               <a:t>Возможность подписки на других пользователей</a:t>
+            </a:r>
+          </a:p>
+          <a:p>
+            <a:pPr>
+              <a:buFont typeface="+mj-lt"/>
+              <a:buAutoNum type="arabicPeriod"/>
+            </a:pPr>
+            <a:r>
+              <a:rPr lang="ru-RU" dirty="0"/>
+              <a:t>Возможность комментировать посты других пользователей</a:t>
+            </a:r>
+          </a:p>
+          <a:p>
+            <a:pPr>
+              <a:buFont typeface="+mj-lt"/>
+              <a:buAutoNum type="arabicPeriod"/>
+            </a:pPr>
+            <a:r>
+              <a:rPr lang="ru-RU" dirty="0"/>
+              <a:t>Интересные задачи</a:t>
             </a:r>
           </a:p>
         </p:txBody>
@@ -7381,7 +7999,7 @@
 </p:sld>
 </file>
 
-<file path=ppt/slides/slide8.xml><?xml version="1.0" encoding="utf-8"?>
+<file path=ppt/slides/slide9.xml><?xml version="1.0" encoding="utf-8"?>
 <p:sld xmlns:a="http://schemas.openxmlformats.org/drawingml/2006/main" xmlns:r="http://schemas.openxmlformats.org/officeDocument/2006/relationships" xmlns:p="http://schemas.openxmlformats.org/presentationml/2006/main">
   <p:cSld>
     <p:spTree>
@@ -7444,12 +8062,14 @@
         </p:nvSpPr>
         <p:spPr>
           <a:xfrm>
-            <a:off x="677334" y="1660141"/>
-            <a:ext cx="3783455" cy="1320801"/>
+            <a:off x="677333" y="1660141"/>
+            <a:ext cx="6810861" cy="1320801"/>
           </a:xfrm>
         </p:spPr>
         <p:txBody>
-          <a:bodyPr/>
+          <a:bodyPr>
+            <a:normAutofit/>
+          </a:bodyPr>
           <a:lstStyle/>
           <a:p>
             <a:pPr>
@@ -7468,7 +8088,15 @@
             </a:pPr>
             <a:r>
               <a:rPr lang="ru-RU" dirty="0"/>
-              <a:t>Взаимосвязь с базой данных</a:t>
+              <a:t>Взаимосвязь с базой данных (</a:t>
+            </a:r>
+            <a:r>
+              <a:rPr lang="en-US" dirty="0"/>
+              <a:t>Room Persistence Library</a:t>
+            </a:r>
+            <a:r>
+              <a:rPr lang="ru-RU" dirty="0"/>
+              <a:t>)</a:t>
             </a:r>
           </a:p>
           <a:p>
@@ -7510,8 +8138,8 @@
         </p:blipFill>
         <p:spPr>
           <a:xfrm>
-            <a:off x="9150179" y="2980942"/>
-            <a:ext cx="1943451" cy="3655372"/>
+            <a:off x="10046043" y="3123544"/>
+            <a:ext cx="1848977" cy="3477679"/>
           </a:xfrm>
           <a:prstGeom prst="rect">
             <a:avLst/>
@@ -7520,10 +8148,10 @@
       </p:pic>
       <p:pic>
         <p:nvPicPr>
-          <p:cNvPr id="9" name="Рисунок 8">
+          <p:cNvPr id="5" name="Рисунок 4">
             <a:extLst>
               <a:ext uri="{FF2B5EF4-FFF2-40B4-BE49-F238E27FC236}">
-                <a16:creationId xmlns:a16="http://schemas.microsoft.com/office/drawing/2014/main" id="{F207A584-7CCA-585E-D3F1-B13B5585F4B4}"/>
+                <a16:creationId xmlns:a16="http://schemas.microsoft.com/office/drawing/2014/main" id="{1226BE61-8E52-8727-0595-F1392CFF16C8}"/>
               </a:ext>
             </a:extLst>
           </p:cNvPr>
@@ -7540,8 +8168,8 @@
         </p:blipFill>
         <p:spPr>
           <a:xfrm>
-            <a:off x="349879" y="3877059"/>
-            <a:ext cx="3653404" cy="1172361"/>
+            <a:off x="5490310" y="3123544"/>
+            <a:ext cx="4274617" cy="1236459"/>
           </a:xfrm>
           <a:prstGeom prst="rect">
             <a:avLst/>
@@ -7550,10 +8178,10 @@
       </p:pic>
       <p:pic>
         <p:nvPicPr>
-          <p:cNvPr id="11" name="Рисунок 10">
+          <p:cNvPr id="8" name="Рисунок 7">
             <a:extLst>
               <a:ext uri="{FF2B5EF4-FFF2-40B4-BE49-F238E27FC236}">
-                <a16:creationId xmlns:a16="http://schemas.microsoft.com/office/drawing/2014/main" id="{E947D767-D80A-ED79-D793-26FEAF2F7F21}"/>
+                <a16:creationId xmlns:a16="http://schemas.microsoft.com/office/drawing/2014/main" id="{F11F2FF1-C857-45EE-553B-CA8CAD67BDA6}"/>
               </a:ext>
             </a:extLst>
           </p:cNvPr>
@@ -7570,8 +8198,8 @@
         </p:blipFill>
         <p:spPr>
           <a:xfrm>
-            <a:off x="4189960" y="2980941"/>
-            <a:ext cx="4773541" cy="1506543"/>
+            <a:off x="6012072" y="4719780"/>
+            <a:ext cx="3231094" cy="1881443"/>
           </a:xfrm>
           <a:prstGeom prst="rect">
             <a:avLst/>
@@ -7580,10 +8208,10 @@
       </p:pic>
       <p:pic>
         <p:nvPicPr>
-          <p:cNvPr id="13" name="Рисунок 12">
+          <p:cNvPr id="12" name="Рисунок 11">
             <a:extLst>
               <a:ext uri="{FF2B5EF4-FFF2-40B4-BE49-F238E27FC236}">
-                <a16:creationId xmlns:a16="http://schemas.microsoft.com/office/drawing/2014/main" id="{FF646F2D-E281-0B96-19CE-A87E8AE01AB7}"/>
+                <a16:creationId xmlns:a16="http://schemas.microsoft.com/office/drawing/2014/main" id="{5E1065AE-10A8-5B45-4453-8B50A29245B2}"/>
               </a:ext>
             </a:extLst>
           </p:cNvPr>
@@ -7600,8 +8228,8 @@
         </p:blipFill>
         <p:spPr>
           <a:xfrm>
-            <a:off x="4590745" y="4626379"/>
-            <a:ext cx="4013080" cy="2009935"/>
+            <a:off x="1221031" y="3123544"/>
+            <a:ext cx="3988163" cy="3477679"/>
           </a:xfrm>
           <a:prstGeom prst="rect">
             <a:avLst/>
@@ -7612,262 +8240,6 @@
     <p:extLst>
       <p:ext uri="{BB962C8B-B14F-4D97-AF65-F5344CB8AC3E}">
         <p14:creationId xmlns:p14="http://schemas.microsoft.com/office/powerpoint/2010/main" val="3052083850"/>
-      </p:ext>
-    </p:extLst>
-  </p:cSld>
-  <p:clrMapOvr>
-    <a:masterClrMapping/>
-  </p:clrMapOvr>
-</p:sld>
-</file>
-
-<file path=ppt/slides/slide9.xml><?xml version="1.0" encoding="utf-8"?>
-<p:sld xmlns:a="http://schemas.openxmlformats.org/drawingml/2006/main" xmlns:r="http://schemas.openxmlformats.org/officeDocument/2006/relationships" xmlns:p="http://schemas.openxmlformats.org/presentationml/2006/main">
-  <p:cSld>
-    <p:spTree>
-      <p:nvGrpSpPr>
-        <p:cNvPr id="1" name=""/>
-        <p:cNvGrpSpPr/>
-        <p:nvPr/>
-      </p:nvGrpSpPr>
-      <p:grpSpPr>
-        <a:xfrm>
-          <a:off x="0" y="0"/>
-          <a:ext cx="0" cy="0"/>
-          <a:chOff x="0" y="0"/>
-          <a:chExt cx="0" cy="0"/>
-        </a:xfrm>
-      </p:grpSpPr>
-      <p:sp>
-        <p:nvSpPr>
-          <p:cNvPr id="2" name="Заголовок 1">
-            <a:extLst>
-              <a:ext uri="{FF2B5EF4-FFF2-40B4-BE49-F238E27FC236}">
-                <a16:creationId xmlns:a16="http://schemas.microsoft.com/office/drawing/2014/main" id="{CCE3375A-273C-9979-36FA-D1BE851DAB9F}"/>
-              </a:ext>
-            </a:extLst>
-          </p:cNvPr>
-          <p:cNvSpPr>
-            <a:spLocks noGrp="1"/>
-          </p:cNvSpPr>
-          <p:nvPr>
-            <p:ph type="title"/>
-          </p:nvPr>
-        </p:nvSpPr>
-        <p:spPr/>
-        <p:txBody>
-          <a:bodyPr/>
-          <a:lstStyle/>
-          <a:p>
-            <a:r>
-              <a:rPr lang="ru-RU" dirty="0"/>
-              <a:t>Достоинства и недостатки приложения</a:t>
-            </a:r>
-          </a:p>
-        </p:txBody>
-      </p:sp>
-      <p:sp>
-        <p:nvSpPr>
-          <p:cNvPr id="3" name="Объект 2">
-            <a:extLst>
-              <a:ext uri="{FF2B5EF4-FFF2-40B4-BE49-F238E27FC236}">
-                <a16:creationId xmlns:a16="http://schemas.microsoft.com/office/drawing/2014/main" id="{8FCAF0A9-F267-C938-DB19-929804705BE3}"/>
-              </a:ext>
-            </a:extLst>
-          </p:cNvPr>
-          <p:cNvSpPr>
-            <a:spLocks noGrp="1"/>
-          </p:cNvSpPr>
-          <p:nvPr>
-            <p:ph idx="1"/>
-          </p:nvPr>
-        </p:nvSpPr>
-        <p:spPr/>
-        <p:txBody>
-          <a:bodyPr>
-            <a:normAutofit/>
-          </a:bodyPr>
-          <a:lstStyle/>
-          <a:p>
-            <a:pPr marL="0" indent="0" algn="just">
-              <a:lnSpc>
-                <a:spcPct val="110000"/>
-              </a:lnSpc>
-              <a:spcAft>
-                <a:spcPts val="750"/>
-              </a:spcAft>
-              <a:buNone/>
-            </a:pPr>
-            <a:r>
-              <a:rPr lang="ru-RU" sz="1400" kern="0" spc="19" dirty="0">
-                <a:solidFill>
-                  <a:schemeClr val="tx1">
-                    <a:lumMod val="85000"/>
-                    <a:lumOff val="15000"/>
-                  </a:schemeClr>
-                </a:solidFill>
-              </a:rPr>
-              <a:t>В результате разработки приложения были получены результаты.</a:t>
-            </a:r>
-          </a:p>
-          <a:p>
-            <a:pPr marL="0" indent="0" algn="just">
-              <a:lnSpc>
-                <a:spcPct val="110000"/>
-              </a:lnSpc>
-              <a:spcAft>
-                <a:spcPts val="750"/>
-              </a:spcAft>
-              <a:buNone/>
-            </a:pPr>
-            <a:r>
-              <a:rPr lang="ru-RU" sz="1400" kern="0" spc="19" dirty="0">
-                <a:solidFill>
-                  <a:schemeClr val="tx1">
-                    <a:lumMod val="85000"/>
-                    <a:lumOff val="15000"/>
-                  </a:schemeClr>
-                </a:solidFill>
-              </a:rPr>
-              <a:t>Достоинства:</a:t>
-            </a:r>
-          </a:p>
-          <a:p>
-            <a:pPr marL="285750" indent="-285750" algn="just">
-              <a:lnSpc>
-                <a:spcPct val="110000"/>
-              </a:lnSpc>
-              <a:spcAft>
-                <a:spcPts val="750"/>
-              </a:spcAft>
-              <a:buFont typeface="Arial" panose="020B0604020202020204" pitchFamily="34" charset="0"/>
-              <a:buChar char="•"/>
-            </a:pPr>
-            <a:r>
-              <a:rPr lang="ru-RU" sz="1400" kern="0" spc="19" dirty="0">
-                <a:solidFill>
-                  <a:schemeClr val="tx1">
-                    <a:lumMod val="85000"/>
-                    <a:lumOff val="15000"/>
-                  </a:schemeClr>
-                </a:solidFill>
-              </a:rPr>
-              <a:t>Был реализован весь нужный функционал</a:t>
-            </a:r>
-          </a:p>
-          <a:p>
-            <a:pPr marL="285750" indent="-285750" algn="just">
-              <a:lnSpc>
-                <a:spcPct val="110000"/>
-              </a:lnSpc>
-              <a:spcAft>
-                <a:spcPts val="750"/>
-              </a:spcAft>
-              <a:buFont typeface="Arial" panose="020B0604020202020204" pitchFamily="34" charset="0"/>
-              <a:buChar char="•"/>
-            </a:pPr>
-            <a:r>
-              <a:rPr lang="ru-RU" sz="1400" kern="0" spc="19" dirty="0">
-                <a:solidFill>
-                  <a:schemeClr val="tx1">
-                    <a:lumMod val="85000"/>
-                    <a:lumOff val="15000"/>
-                  </a:schemeClr>
-                </a:solidFill>
-              </a:rPr>
-              <a:t>Привлечена первая аудитория</a:t>
-            </a:r>
-          </a:p>
-          <a:p>
-            <a:pPr marL="0" indent="0" algn="just">
-              <a:lnSpc>
-                <a:spcPct val="110000"/>
-              </a:lnSpc>
-              <a:spcAft>
-                <a:spcPts val="750"/>
-              </a:spcAft>
-              <a:buNone/>
-            </a:pPr>
-            <a:r>
-              <a:rPr lang="ru-RU" sz="1400" kern="0" spc="19" dirty="0">
-                <a:solidFill>
-                  <a:schemeClr val="tx1">
-                    <a:lumMod val="85000"/>
-                    <a:lumOff val="15000"/>
-                  </a:schemeClr>
-                </a:solidFill>
-              </a:rPr>
-              <a:t>Недостатки:</a:t>
-            </a:r>
-          </a:p>
-          <a:p>
-            <a:pPr marL="285750" indent="-285750" algn="just">
-              <a:lnSpc>
-                <a:spcPct val="110000"/>
-              </a:lnSpc>
-              <a:spcAft>
-                <a:spcPts val="750"/>
-              </a:spcAft>
-              <a:buFont typeface="Arial" panose="020B0604020202020204" pitchFamily="34" charset="0"/>
-              <a:buChar char="•"/>
-            </a:pPr>
-            <a:r>
-              <a:rPr lang="ru-RU" sz="1400" kern="0" spc="19" dirty="0">
-                <a:solidFill>
-                  <a:schemeClr val="tx1">
-                    <a:lumMod val="85000"/>
-                    <a:lumOff val="15000"/>
-                  </a:schemeClr>
-                </a:solidFill>
-              </a:rPr>
-              <a:t>Слабая рекламная кампания</a:t>
-            </a:r>
-          </a:p>
-          <a:p>
-            <a:pPr marL="285750" indent="-285750" algn="just">
-              <a:lnSpc>
-                <a:spcPct val="110000"/>
-              </a:lnSpc>
-              <a:spcAft>
-                <a:spcPts val="750"/>
-              </a:spcAft>
-              <a:buFont typeface="Arial" panose="020B0604020202020204" pitchFamily="34" charset="0"/>
-              <a:buChar char="•"/>
-            </a:pPr>
-            <a:r>
-              <a:rPr lang="ru-RU" sz="1400" kern="0" spc="19" dirty="0">
-                <a:solidFill>
-                  <a:schemeClr val="tx1">
-                    <a:lumMod val="85000"/>
-                    <a:lumOff val="15000"/>
-                  </a:schemeClr>
-                </a:solidFill>
-              </a:rPr>
-              <a:t>Интерфейс приложения</a:t>
-            </a:r>
-          </a:p>
-          <a:p>
-            <a:pPr marL="0" indent="0">
-              <a:lnSpc>
-                <a:spcPct val="110000"/>
-              </a:lnSpc>
-              <a:buNone/>
-            </a:pPr>
-            <a:endParaRPr lang="ru-RU" sz="1400" dirty="0">
-              <a:solidFill>
-                <a:schemeClr val="tx1">
-                  <a:lumMod val="85000"/>
-                  <a:lumOff val="15000"/>
-                </a:schemeClr>
-              </a:solidFill>
-            </a:endParaRPr>
-          </a:p>
-        </p:txBody>
-      </p:sp>
-    </p:spTree>
-    <p:extLst>
-      <p:ext uri="{BB962C8B-B14F-4D97-AF65-F5344CB8AC3E}">
-        <p14:creationId xmlns:p14="http://schemas.microsoft.com/office/powerpoint/2010/main" val="3413529629"/>
       </p:ext>
     </p:extLst>
   </p:cSld>

--- a/Файлы для оценки/Социальный челленджер.pptx
+++ b/Файлы для оценки/Социальный челленджер.pptx
@@ -5953,7 +5953,7 @@
         <p:spPr>
           <a:xfrm>
             <a:off x="677334" y="1488613"/>
-            <a:ext cx="8596668" cy="3880773"/>
+            <a:ext cx="8596668" cy="5122252"/>
           </a:xfrm>
         </p:spPr>
         <p:txBody>
@@ -6025,6 +6025,51 @@
             <a:r>
               <a:rPr lang="en-US" dirty="0"/>
               <a:t>PostgreSQL</a:t>
+            </a:r>
+            <a:endParaRPr lang="ru-RU" dirty="0"/>
+          </a:p>
+          <a:p>
+            <a:pPr>
+              <a:buFont typeface="+mj-lt"/>
+              <a:buAutoNum type="arabicPeriod"/>
+            </a:pPr>
+            <a:endParaRPr lang="ru-RU" dirty="0"/>
+          </a:p>
+          <a:p>
+            <a:pPr>
+              <a:buFont typeface="+mj-lt"/>
+              <a:buAutoNum type="arabicPeriod"/>
+            </a:pPr>
+            <a:endParaRPr lang="en-US" dirty="0"/>
+          </a:p>
+          <a:p>
+            <a:pPr>
+              <a:buFont typeface="+mj-lt"/>
+              <a:buAutoNum type="arabicPeriod"/>
+            </a:pPr>
+            <a:endParaRPr lang="en-US" dirty="0"/>
+          </a:p>
+          <a:p>
+            <a:pPr>
+              <a:buFont typeface="+mj-lt"/>
+              <a:buAutoNum type="arabicPeriod"/>
+            </a:pPr>
+            <a:endParaRPr lang="en-US" dirty="0"/>
+          </a:p>
+          <a:p>
+            <a:pPr>
+              <a:buFont typeface="+mj-lt"/>
+              <a:buAutoNum type="arabicPeriod"/>
+            </a:pPr>
+            <a:endParaRPr lang="ru-RU" dirty="0"/>
+          </a:p>
+          <a:p>
+            <a:pPr marL="0" indent="0">
+              <a:buNone/>
+            </a:pPr>
+            <a:r>
+              <a:rPr lang="en-US" dirty="0"/>
+              <a:t>https://github.com/s1ngle0f/AchivementsServer</a:t>
             </a:r>
           </a:p>
         </p:txBody>
